--- a/02_SuperStore/02_Presentation/01_Presentation_On_Analysis.pptx
+++ b/02_SuperStore/02_Presentation/01_Presentation_On_Analysis.pptx
@@ -13,7 +13,8 @@
     <p:sldId id="265" r:id="rId7"/>
     <p:sldId id="266" r:id="rId8"/>
     <p:sldId id="264" r:id="rId9"/>
-    <p:sldId id="267" r:id="rId10"/>
+    <p:sldId id="268" r:id="rId10"/>
+    <p:sldId id="267" r:id="rId11"/>
   </p:sldIdLst>
   <p:sldSz cx="12192000" cy="6858000"/>
   <p:notesSz cx="6858000" cy="9144000"/>
@@ -628,7 +629,7 @@
           <a:p>
             <a:fld id="{D96E6EDC-E129-4E1E-A79E-1DDB7A40074E}" type="datetimeFigureOut">
               <a:rPr lang="en-US" smtClean="0"/>
-              <a:t>9/12/2025</a:t>
+              <a:t>10/3/2025</a:t>
             </a:fld>
             <a:endParaRPr lang="en-US" dirty="0"/>
           </a:p>
@@ -1609,7 +1610,7 @@
           <a:p>
             <a:fld id="{D96E6EDC-E129-4E1E-A79E-1DDB7A40074E}" type="datetimeFigureOut">
               <a:rPr lang="en-US" smtClean="0"/>
-              <a:t>9/12/2025</a:t>
+              <a:t>10/3/2025</a:t>
             </a:fld>
             <a:endParaRPr lang="en-US" dirty="0"/>
           </a:p>
@@ -2479,7 +2480,7 @@
           <a:p>
             <a:fld id="{D96E6EDC-E129-4E1E-A79E-1DDB7A40074E}" type="datetimeFigureOut">
               <a:rPr lang="en-US" smtClean="0"/>
-              <a:t>9/12/2025</a:t>
+              <a:t>10/3/2025</a:t>
             </a:fld>
             <a:endParaRPr lang="en-US" dirty="0"/>
           </a:p>
@@ -3500,7 +3501,7 @@
           <a:p>
             <a:fld id="{D96E6EDC-E129-4E1E-A79E-1DDB7A40074E}" type="datetimeFigureOut">
               <a:rPr lang="en-US" smtClean="0"/>
-              <a:t>9/12/2025</a:t>
+              <a:t>10/3/2025</a:t>
             </a:fld>
             <a:endParaRPr lang="en-US" dirty="0"/>
           </a:p>
@@ -4420,7 +4421,7 @@
           <a:p>
             <a:fld id="{D96E6EDC-E129-4E1E-A79E-1DDB7A40074E}" type="datetimeFigureOut">
               <a:rPr lang="en-US" smtClean="0"/>
-              <a:t>9/12/2025</a:t>
+              <a:t>10/3/2025</a:t>
             </a:fld>
             <a:endParaRPr lang="en-US" dirty="0"/>
           </a:p>
@@ -5076,7 +5077,7 @@
           <a:p>
             <a:fld id="{D96E6EDC-E129-4E1E-A79E-1DDB7A40074E}" type="datetimeFigureOut">
               <a:rPr lang="en-US" smtClean="0"/>
-              <a:t>9/12/2025</a:t>
+              <a:t>10/3/2025</a:t>
             </a:fld>
             <a:endParaRPr lang="en-US" dirty="0"/>
           </a:p>
@@ -5930,7 +5931,7 @@
           <a:p>
             <a:fld id="{D96E6EDC-E129-4E1E-A79E-1DDB7A40074E}" type="datetimeFigureOut">
               <a:rPr lang="en-US" smtClean="0"/>
-              <a:t>9/12/2025</a:t>
+              <a:t>10/3/2025</a:t>
             </a:fld>
             <a:endParaRPr lang="en-US" dirty="0"/>
           </a:p>
@@ -6113,7 +6114,7 @@
           <a:p>
             <a:fld id="{D96E6EDC-E129-4E1E-A79E-1DDB7A40074E}" type="datetimeFigureOut">
               <a:rPr lang="en-US" smtClean="0"/>
-              <a:t>9/12/2025</a:t>
+              <a:t>10/3/2025</a:t>
             </a:fld>
             <a:endParaRPr lang="en-US" dirty="0"/>
           </a:p>
@@ -6970,7 +6971,7 @@
           <a:p>
             <a:fld id="{D96E6EDC-E129-4E1E-A79E-1DDB7A40074E}" type="datetimeFigureOut">
               <a:rPr lang="en-US" smtClean="0"/>
-              <a:t>9/12/2025</a:t>
+              <a:t>10/3/2025</a:t>
             </a:fld>
             <a:endParaRPr lang="en-US" dirty="0"/>
           </a:p>
@@ -7189,7 +7190,7 @@
           <a:p>
             <a:fld id="{D96E6EDC-E129-4E1E-A79E-1DDB7A40074E}" type="datetimeFigureOut">
               <a:rPr lang="en-US" smtClean="0"/>
-              <a:t>9/12/2025</a:t>
+              <a:t>10/3/2025</a:t>
             </a:fld>
             <a:endParaRPr lang="en-US" dirty="0"/>
           </a:p>
@@ -8114,7 +8115,7 @@
           <a:p>
             <a:fld id="{D96E6EDC-E129-4E1E-A79E-1DDB7A40074E}" type="datetimeFigureOut">
               <a:rPr lang="en-US" smtClean="0"/>
-              <a:t>9/12/2025</a:t>
+              <a:t>10/3/2025</a:t>
             </a:fld>
             <a:endParaRPr lang="en-US" dirty="0"/>
           </a:p>
@@ -8398,7 +8399,7 @@
           <a:p>
             <a:fld id="{D96E6EDC-E129-4E1E-A79E-1DDB7A40074E}" type="datetimeFigureOut">
               <a:rPr lang="en-US" smtClean="0"/>
-              <a:t>9/12/2025</a:t>
+              <a:t>10/3/2025</a:t>
             </a:fld>
             <a:endParaRPr lang="en-US" dirty="0"/>
           </a:p>
@@ -8788,7 +8789,7 @@
           <a:p>
             <a:fld id="{D96E6EDC-E129-4E1E-A79E-1DDB7A40074E}" type="datetimeFigureOut">
               <a:rPr lang="en-US" smtClean="0"/>
-              <a:t>9/12/2025</a:t>
+              <a:t>10/3/2025</a:t>
             </a:fld>
             <a:endParaRPr lang="en-US" dirty="0"/>
           </a:p>
@@ -8914,7 +8915,7 @@
           <a:p>
             <a:fld id="{D96E6EDC-E129-4E1E-A79E-1DDB7A40074E}" type="datetimeFigureOut">
               <a:rPr lang="en-US" smtClean="0"/>
-              <a:t>9/12/2025</a:t>
+              <a:t>10/3/2025</a:t>
             </a:fld>
             <a:endParaRPr lang="en-US" dirty="0"/>
           </a:p>
@@ -9009,7 +9010,7 @@
           <a:p>
             <a:fld id="{D96E6EDC-E129-4E1E-A79E-1DDB7A40074E}" type="datetimeFigureOut">
               <a:rPr lang="en-US" smtClean="0"/>
-              <a:t>9/12/2025</a:t>
+              <a:t>10/3/2025</a:t>
             </a:fld>
             <a:endParaRPr lang="en-US" dirty="0"/>
           </a:p>
@@ -9980,7 +9981,7 @@
           <a:p>
             <a:fld id="{D96E6EDC-E129-4E1E-A79E-1DDB7A40074E}" type="datetimeFigureOut">
               <a:rPr lang="en-US" smtClean="0"/>
-              <a:t>9/12/2025</a:t>
+              <a:t>10/3/2025</a:t>
             </a:fld>
             <a:endParaRPr lang="en-US" dirty="0"/>
           </a:p>
@@ -10974,7 +10975,7 @@
           <a:p>
             <a:fld id="{D96E6EDC-E129-4E1E-A79E-1DDB7A40074E}" type="datetimeFigureOut">
               <a:rPr lang="en-US" smtClean="0"/>
-              <a:t>9/12/2025</a:t>
+              <a:t>10/3/2025</a:t>
             </a:fld>
             <a:endParaRPr lang="en-US" dirty="0"/>
           </a:p>
@@ -11858,7 +11859,7 @@
           <a:p>
             <a:fld id="{D96E6EDC-E129-4E1E-A79E-1DDB7A40074E}" type="datetimeFigureOut">
               <a:rPr lang="en-US" smtClean="0"/>
-              <a:t>9/12/2025</a:t>
+              <a:t>10/3/2025</a:t>
             </a:fld>
             <a:endParaRPr lang="en-US" dirty="0"/>
           </a:p>
@@ -12637,6 +12638,135 @@
 </p:sld>
 </file>
 
+<file path=ppt/slides/slide10.xml><?xml version="1.0" encoding="utf-8"?>
+<p:sld xmlns:a="http://schemas.openxmlformats.org/drawingml/2006/main" xmlns:r="http://schemas.openxmlformats.org/officeDocument/2006/relationships" xmlns:p="http://schemas.openxmlformats.org/presentationml/2006/main">
+  <p:cSld>
+    <p:spTree>
+      <p:nvGrpSpPr>
+        <p:cNvPr id="1" name=""/>
+        <p:cNvGrpSpPr/>
+        <p:nvPr/>
+      </p:nvGrpSpPr>
+      <p:grpSpPr>
+        <a:xfrm>
+          <a:off x="0" y="0"/>
+          <a:ext cx="0" cy="0"/>
+          <a:chOff x="0" y="0"/>
+          <a:chExt cx="0" cy="0"/>
+        </a:xfrm>
+      </p:grpSpPr>
+      <p:sp>
+        <p:nvSpPr>
+          <p:cNvPr id="2" name="Title 1">
+            <a:extLst>
+              <a:ext uri="{FF2B5EF4-FFF2-40B4-BE49-F238E27FC236}">
+                <a16:creationId xmlns:a16="http://schemas.microsoft.com/office/drawing/2014/main" id="{72F0C391-72FA-79FB-BD4B-D835C8427D05}"/>
+              </a:ext>
+            </a:extLst>
+          </p:cNvPr>
+          <p:cNvSpPr>
+            <a:spLocks noGrp="1"/>
+          </p:cNvSpPr>
+          <p:nvPr>
+            <p:ph type="ctrTitle"/>
+          </p:nvPr>
+        </p:nvSpPr>
+        <p:spPr>
+          <a:xfrm rot="10498265" flipV="1">
+            <a:off x="1049077" y="4555999"/>
+            <a:ext cx="2435268" cy="861419"/>
+          </a:xfrm>
+        </p:spPr>
+        <p:txBody>
+          <a:bodyPr/>
+          <a:lstStyle/>
+          <a:p>
+            <a:endParaRPr lang="en-PK" dirty="0"/>
+          </a:p>
+        </p:txBody>
+      </p:sp>
+      <p:sp>
+        <p:nvSpPr>
+          <p:cNvPr id="3" name="Subtitle 2">
+            <a:extLst>
+              <a:ext uri="{FF2B5EF4-FFF2-40B4-BE49-F238E27FC236}">
+                <a16:creationId xmlns:a16="http://schemas.microsoft.com/office/drawing/2014/main" id="{B712977F-E0E4-1790-BE1A-3181154A8942}"/>
+              </a:ext>
+            </a:extLst>
+          </p:cNvPr>
+          <p:cNvSpPr>
+            <a:spLocks noGrp="1"/>
+          </p:cNvSpPr>
+          <p:nvPr>
+            <p:ph type="subTitle" idx="1"/>
+          </p:nvPr>
+        </p:nvSpPr>
+        <p:spPr/>
+        <p:txBody>
+          <a:bodyPr/>
+          <a:lstStyle/>
+          <a:p>
+            <a:endParaRPr lang="en-PK" dirty="0"/>
+          </a:p>
+        </p:txBody>
+      </p:sp>
+      <p:sp>
+        <p:nvSpPr>
+          <p:cNvPr id="4" name="TextBox 3">
+            <a:extLst>
+              <a:ext uri="{FF2B5EF4-FFF2-40B4-BE49-F238E27FC236}">
+                <a16:creationId xmlns:a16="http://schemas.microsoft.com/office/drawing/2014/main" id="{58B06D0C-497F-A63C-1B9A-29643EE77C96}"/>
+              </a:ext>
+            </a:extLst>
+          </p:cNvPr>
+          <p:cNvSpPr txBox="1"/>
+          <p:nvPr/>
+        </p:nvSpPr>
+        <p:spPr>
+          <a:xfrm>
+            <a:off x="4109987" y="3044491"/>
+            <a:ext cx="5496026" cy="1046440"/>
+          </a:xfrm>
+          <a:prstGeom prst="rect">
+            <a:avLst/>
+          </a:prstGeom>
+          <a:noFill/>
+        </p:spPr>
+        <p:txBody>
+          <a:bodyPr wrap="square" rtlCol="0">
+            <a:spAutoFit/>
+          </a:bodyPr>
+          <a:lstStyle/>
+          <a:p>
+            <a:r>
+              <a:rPr lang="en-US" sz="4400" b="1" dirty="0">
+                <a:solidFill>
+                  <a:schemeClr val="bg1">
+                    <a:lumMod val="95000"/>
+                  </a:schemeClr>
+                </a:solidFill>
+              </a:rPr>
+              <a:t>Thank you ..!</a:t>
+            </a:r>
+          </a:p>
+          <a:p>
+            <a:endParaRPr lang="en-PK" dirty="0"/>
+          </a:p>
+        </p:txBody>
+      </p:sp>
+    </p:spTree>
+    <p:extLst>
+      <p:ext uri="{BB962C8B-B14F-4D97-AF65-F5344CB8AC3E}">
+        <p14:creationId xmlns:p14="http://schemas.microsoft.com/office/powerpoint/2010/main" val="3116631691"/>
+      </p:ext>
+    </p:extLst>
+  </p:cSld>
+  <p:clrMapOvr>
+    <a:masterClrMapping/>
+  </p:clrMapOvr>
+</p:sld>
+</file>
+
 <file path=ppt/slides/slide2.xml><?xml version="1.0" encoding="utf-8"?>
 <p:sld xmlns:a="http://schemas.openxmlformats.org/drawingml/2006/main" xmlns:r="http://schemas.openxmlformats.org/officeDocument/2006/relationships" xmlns:p="http://schemas.openxmlformats.org/presentationml/2006/main">
   <p:cSld>
@@ -14559,7 +14689,13 @@
   <p:cSld>
     <p:spTree>
       <p:nvGrpSpPr>
-        <p:cNvPr id="1" name=""/>
+        <p:cNvPr id="1" name="">
+          <a:extLst>
+            <a:ext uri="{FF2B5EF4-FFF2-40B4-BE49-F238E27FC236}">
+              <a16:creationId xmlns:a16="http://schemas.microsoft.com/office/drawing/2014/main" id="{A469DE69-F46C-A095-70A9-8C64FCF94B8D}"/>
+            </a:ext>
+          </a:extLst>
+        </p:cNvPr>
         <p:cNvGrpSpPr/>
         <p:nvPr/>
       </p:nvGrpSpPr>
@@ -14576,7 +14712,7 @@
           <p:cNvPr id="2" name="Title 1">
             <a:extLst>
               <a:ext uri="{FF2B5EF4-FFF2-40B4-BE49-F238E27FC236}">
-                <a16:creationId xmlns:a16="http://schemas.microsoft.com/office/drawing/2014/main" id="{72F0C391-72FA-79FB-BD4B-D835C8427D05}"/>
+                <a16:creationId xmlns:a16="http://schemas.microsoft.com/office/drawing/2014/main" id="{F97003BC-7092-36EC-9C79-49FBAD505100}"/>
               </a:ext>
             </a:extLst>
           </p:cNvPr>
@@ -14584,37 +14720,7 @@
             <a:spLocks noGrp="1"/>
           </p:cNvSpPr>
           <p:nvPr>
-            <p:ph type="ctrTitle"/>
-          </p:nvPr>
-        </p:nvSpPr>
-        <p:spPr>
-          <a:xfrm rot="10498265" flipV="1">
-            <a:off x="1049077" y="4555999"/>
-            <a:ext cx="2435268" cy="861419"/>
-          </a:xfrm>
-        </p:spPr>
-        <p:txBody>
-          <a:bodyPr/>
-          <a:lstStyle/>
-          <a:p>
-            <a:endParaRPr lang="en-PK" dirty="0"/>
-          </a:p>
-        </p:txBody>
-      </p:sp>
-      <p:sp>
-        <p:nvSpPr>
-          <p:cNvPr id="3" name="Subtitle 2">
-            <a:extLst>
-              <a:ext uri="{FF2B5EF4-FFF2-40B4-BE49-F238E27FC236}">
-                <a16:creationId xmlns:a16="http://schemas.microsoft.com/office/drawing/2014/main" id="{B712977F-E0E4-1790-BE1A-3181154A8942}"/>
-              </a:ext>
-            </a:extLst>
-          </p:cNvPr>
-          <p:cNvSpPr>
-            <a:spLocks noGrp="1"/>
-          </p:cNvSpPr>
-          <p:nvPr>
-            <p:ph type="subTitle" idx="1"/>
+            <p:ph type="title"/>
           </p:nvPr>
         </p:nvSpPr>
         <p:spPr/>
@@ -14622,58 +14728,55 @@
           <a:bodyPr/>
           <a:lstStyle/>
           <a:p>
-            <a:endParaRPr lang="en-PK" dirty="0"/>
+            <a:pPr algn="ctr"/>
+            <a:r>
+              <a:rPr lang="en-US" b="1" dirty="0"/>
+              <a:t>Dashboard</a:t>
+            </a:r>
           </a:p>
         </p:txBody>
       </p:sp>
-      <p:sp>
-        <p:nvSpPr>
-          <p:cNvPr id="4" name="TextBox 3">
+      <p:pic>
+        <p:nvPicPr>
+          <p:cNvPr id="4" name="Picture 3" descr="A screenshot of a graph&#10;&#10;AI-generated content may be incorrect.">
             <a:extLst>
               <a:ext uri="{FF2B5EF4-FFF2-40B4-BE49-F238E27FC236}">
-                <a16:creationId xmlns:a16="http://schemas.microsoft.com/office/drawing/2014/main" id="{58B06D0C-497F-A63C-1B9A-29643EE77C96}"/>
+                <a16:creationId xmlns:a16="http://schemas.microsoft.com/office/drawing/2014/main" id="{A722E0BE-9DDB-BC6A-AF93-7322CCB59B51}"/>
               </a:ext>
             </a:extLst>
           </p:cNvPr>
-          <p:cNvSpPr txBox="1"/>
+          <p:cNvPicPr>
+            <a:picLocks noChangeAspect="1"/>
+          </p:cNvPicPr>
           <p:nvPr/>
-        </p:nvSpPr>
+        </p:nvPicPr>
+        <p:blipFill>
+          <a:blip r:embed="rId2">
+            <a:extLst>
+              <a:ext uri="{28A0092B-C50C-407E-A947-70E740481C1C}">
+                <a14:useLocalDpi xmlns:a14="http://schemas.microsoft.com/office/drawing/2010/main" val="0"/>
+              </a:ext>
+            </a:extLst>
+          </a:blip>
+          <a:srcRect r="16375"/>
+          <a:stretch>
+            <a:fillRect/>
+          </a:stretch>
+        </p:blipFill>
         <p:spPr>
           <a:xfrm>
-            <a:off x="4109987" y="3044491"/>
-            <a:ext cx="5496026" cy="1046440"/>
+            <a:off x="3064565" y="2357999"/>
+            <a:ext cx="6062870" cy="4320000"/>
           </a:xfrm>
           <a:prstGeom prst="rect">
             <a:avLst/>
           </a:prstGeom>
-          <a:noFill/>
         </p:spPr>
-        <p:txBody>
-          <a:bodyPr wrap="square" rtlCol="0">
-            <a:spAutoFit/>
-          </a:bodyPr>
-          <a:lstStyle/>
-          <a:p>
-            <a:r>
-              <a:rPr lang="en-US" sz="4400" b="1" dirty="0">
-                <a:solidFill>
-                  <a:schemeClr val="bg1">
-                    <a:lumMod val="95000"/>
-                  </a:schemeClr>
-                </a:solidFill>
-              </a:rPr>
-              <a:t>Thank you ..!</a:t>
-            </a:r>
-          </a:p>
-          <a:p>
-            <a:endParaRPr lang="en-PK" dirty="0"/>
-          </a:p>
-        </p:txBody>
-      </p:sp>
+      </p:pic>
     </p:spTree>
     <p:extLst>
       <p:ext uri="{BB962C8B-B14F-4D97-AF65-F5344CB8AC3E}">
-        <p14:creationId xmlns:p14="http://schemas.microsoft.com/office/powerpoint/2010/main" val="3116631691"/>
+        <p14:creationId xmlns:p14="http://schemas.microsoft.com/office/powerpoint/2010/main" val="1892567978"/>
       </p:ext>
     </p:extLst>
   </p:cSld>
